--- a/Week 6 - Bigger Picture - Iteroperability - Beyond introduction to Programming Solution/PowerPoint Presentations/Week_6_Part_1_Bigger_Picture.pptx
+++ b/Week 6 - Bigger Picture - Iteroperability - Beyond introduction to Programming Solution/PowerPoint Presentations/Week_6_Part_1_Bigger_Picture.pptx
@@ -207,7 +207,7 @@
           <a:p>
             <a:fld id="{C0DB4203-FCE6-4DB9-8B82-6DDA69D645A0}" type="datetimeFigureOut">
               <a:rPr lang="en-ZA" smtClean="0"/>
-              <a:t>2023/05/09</a:t>
+              <a:t>23 May 2023</a:t>
             </a:fld>
             <a:endParaRPr lang="en-ZA"/>
           </a:p>
@@ -3755,190 +3755,6 @@
               <a:cs typeface="Times New Roman" panose="02020603050405020304" pitchFamily="18" charset="0"/>
             </a:endParaRPr>
           </a:p>
-          <a:p>
-            <a:pPr marL="0" indent="0">
-              <a:lnSpc>
-                <a:spcPct val="107000"/>
-              </a:lnSpc>
-              <a:spcBef>
-                <a:spcPts val="1050"/>
-              </a:spcBef>
-              <a:spcAft>
-                <a:spcPts val="1050"/>
-              </a:spcAft>
-              <a:buNone/>
-            </a:pPr>
-            <a:endParaRPr lang="en-GB" sz="1800" b="1" i="1" dirty="0">
-              <a:effectLst/>
-              <a:latin typeface="Helvetica" panose="020B0604020202020204" pitchFamily="34" charset="0"/>
-              <a:ea typeface="Times New Roman" panose="02020603050405020304" pitchFamily="18" charset="0"/>
-              <a:cs typeface="Times New Roman" panose="02020603050405020304" pitchFamily="18" charset="0"/>
-            </a:endParaRPr>
-          </a:p>
-          <a:p>
-            <a:pPr marL="0" indent="0">
-              <a:lnSpc>
-                <a:spcPct val="107000"/>
-              </a:lnSpc>
-              <a:spcBef>
-                <a:spcPts val="1050"/>
-              </a:spcBef>
-              <a:spcAft>
-                <a:spcPts val="1050"/>
-              </a:spcAft>
-              <a:buNone/>
-            </a:pPr>
-            <a:endParaRPr lang="en-GB" sz="1800" b="1" i="1" dirty="0">
-              <a:latin typeface="Helvetica" panose="020B0604020202020204" pitchFamily="34" charset="0"/>
-              <a:ea typeface="Times New Roman" panose="02020603050405020304" pitchFamily="18" charset="0"/>
-              <a:cs typeface="Times New Roman" panose="02020603050405020304" pitchFamily="18" charset="0"/>
-            </a:endParaRPr>
-          </a:p>
-          <a:p>
-            <a:pPr marL="0" indent="0">
-              <a:lnSpc>
-                <a:spcPct val="107000"/>
-              </a:lnSpc>
-              <a:spcBef>
-                <a:spcPts val="1050"/>
-              </a:spcBef>
-              <a:spcAft>
-                <a:spcPts val="1050"/>
-              </a:spcAft>
-              <a:buNone/>
-            </a:pPr>
-            <a:endParaRPr lang="en-GB" sz="1800" b="1" i="1" dirty="0">
-              <a:effectLst/>
-              <a:latin typeface="Helvetica" panose="020B0604020202020204" pitchFamily="34" charset="0"/>
-              <a:ea typeface="Times New Roman" panose="02020603050405020304" pitchFamily="18" charset="0"/>
-              <a:cs typeface="Times New Roman" panose="02020603050405020304" pitchFamily="18" charset="0"/>
-            </a:endParaRPr>
-          </a:p>
-          <a:p>
-            <a:pPr marL="0" indent="0">
-              <a:lnSpc>
-                <a:spcPct val="107000"/>
-              </a:lnSpc>
-              <a:spcBef>
-                <a:spcPts val="1050"/>
-              </a:spcBef>
-              <a:spcAft>
-                <a:spcPts val="1050"/>
-              </a:spcAft>
-              <a:buNone/>
-            </a:pPr>
-            <a:endParaRPr lang="en-GB" sz="1800" b="1" i="1" dirty="0">
-              <a:latin typeface="Helvetica" panose="020B0604020202020204" pitchFamily="34" charset="0"/>
-              <a:ea typeface="Times New Roman" panose="02020603050405020304" pitchFamily="18" charset="0"/>
-              <a:cs typeface="Times New Roman" panose="02020603050405020304" pitchFamily="18" charset="0"/>
-            </a:endParaRPr>
-          </a:p>
-          <a:p>
-            <a:pPr marL="0" indent="0">
-              <a:lnSpc>
-                <a:spcPct val="107000"/>
-              </a:lnSpc>
-              <a:spcBef>
-                <a:spcPts val="1050"/>
-              </a:spcBef>
-              <a:spcAft>
-                <a:spcPts val="1050"/>
-              </a:spcAft>
-              <a:buNone/>
-            </a:pPr>
-            <a:endParaRPr lang="en-GB" sz="1800" b="1" i="1" dirty="0">
-              <a:effectLst/>
-              <a:latin typeface="Helvetica" panose="020B0604020202020204" pitchFamily="34" charset="0"/>
-              <a:ea typeface="Times New Roman" panose="02020603050405020304" pitchFamily="18" charset="0"/>
-              <a:cs typeface="Times New Roman" panose="02020603050405020304" pitchFamily="18" charset="0"/>
-            </a:endParaRPr>
-          </a:p>
-          <a:p>
-            <a:pPr marL="0" indent="0">
-              <a:lnSpc>
-                <a:spcPct val="107000"/>
-              </a:lnSpc>
-              <a:spcBef>
-                <a:spcPts val="1050"/>
-              </a:spcBef>
-              <a:spcAft>
-                <a:spcPts val="1050"/>
-              </a:spcAft>
-              <a:buNone/>
-            </a:pPr>
-            <a:endParaRPr lang="en-GB" sz="1800" b="1" i="1" dirty="0">
-              <a:latin typeface="Helvetica" panose="020B0604020202020204" pitchFamily="34" charset="0"/>
-              <a:ea typeface="Times New Roman" panose="02020603050405020304" pitchFamily="18" charset="0"/>
-              <a:cs typeface="Times New Roman" panose="02020603050405020304" pitchFamily="18" charset="0"/>
-            </a:endParaRPr>
-          </a:p>
-          <a:p>
-            <a:pPr marL="0" indent="0">
-              <a:lnSpc>
-                <a:spcPct val="107000"/>
-              </a:lnSpc>
-              <a:spcBef>
-                <a:spcPts val="1050"/>
-              </a:spcBef>
-              <a:spcAft>
-                <a:spcPts val="1050"/>
-              </a:spcAft>
-              <a:buNone/>
-            </a:pPr>
-            <a:endParaRPr lang="en-GB" sz="1800" b="1" i="1" dirty="0">
-              <a:effectLst/>
-              <a:latin typeface="Helvetica" panose="020B0604020202020204" pitchFamily="34" charset="0"/>
-              <a:ea typeface="Times New Roman" panose="02020603050405020304" pitchFamily="18" charset="0"/>
-              <a:cs typeface="Times New Roman" panose="02020603050405020304" pitchFamily="18" charset="0"/>
-            </a:endParaRPr>
-          </a:p>
-          <a:p>
-            <a:pPr marL="0" indent="0">
-              <a:lnSpc>
-                <a:spcPct val="107000"/>
-              </a:lnSpc>
-              <a:spcBef>
-                <a:spcPts val="1050"/>
-              </a:spcBef>
-              <a:spcAft>
-                <a:spcPts val="1050"/>
-              </a:spcAft>
-              <a:buNone/>
-            </a:pPr>
-            <a:r>
-              <a:rPr lang="en-GB" sz="1800" b="1" i="1" dirty="0">
-                <a:effectLst/>
-                <a:latin typeface="Helvetica" panose="020B0604020202020204" pitchFamily="34" charset="0"/>
-                <a:ea typeface="Times New Roman" panose="02020603050405020304" pitchFamily="18" charset="0"/>
-                <a:cs typeface="Times New Roman" panose="02020603050405020304" pitchFamily="18" charset="0"/>
-              </a:rPr>
-              <a:t>Copyright 2022 The MathWorks, Inc. &amp; Opti-</a:t>
-            </a:r>
-            <a:r>
-              <a:rPr lang="en-GB" sz="1800" b="1" i="1" dirty="0" err="1">
-                <a:effectLst/>
-                <a:latin typeface="Helvetica" panose="020B0604020202020204" pitchFamily="34" charset="0"/>
-                <a:ea typeface="Times New Roman" panose="02020603050405020304" pitchFamily="18" charset="0"/>
-                <a:cs typeface="Times New Roman" panose="02020603050405020304" pitchFamily="18" charset="0"/>
-              </a:rPr>
-              <a:t>Num</a:t>
-            </a:r>
-            <a:r>
-              <a:rPr lang="en-GB" sz="1800" b="1" i="1" dirty="0">
-                <a:effectLst/>
-                <a:latin typeface="Helvetica" panose="020B0604020202020204" pitchFamily="34" charset="0"/>
-                <a:ea typeface="Times New Roman" panose="02020603050405020304" pitchFamily="18" charset="0"/>
-                <a:cs typeface="Times New Roman" panose="02020603050405020304" pitchFamily="18" charset="0"/>
-              </a:rPr>
-              <a:t> Solutions (Pty) Ltd. </a:t>
-            </a:r>
-            <a:endParaRPr lang="en-ZA" sz="1800" dirty="0">
-              <a:effectLst/>
-              <a:latin typeface="Helvetica" panose="020B0604020202020204" pitchFamily="34" charset="0"/>
-              <a:ea typeface="Times New Roman" panose="02020603050405020304" pitchFamily="18" charset="0"/>
-              <a:cs typeface="Times New Roman" panose="02020603050405020304" pitchFamily="18" charset="0"/>
-            </a:endParaRPr>
-          </a:p>
         </p:txBody>
       </p:sp>
       <p:sp>
@@ -4233,6 +4049,180 @@
               </a:rPr>
               <a:t>Week_6_Part_1_Bigger_Picture.mlx</a:t>
             </a:r>
+            <a:endParaRPr lang="en-ZA" sz="1600" dirty="0">
+              <a:effectLst/>
+              <a:latin typeface="Helvetica" panose="020B0604020202020204" pitchFamily="34" charset="0"/>
+              <a:ea typeface="Times New Roman" panose="02020603050405020304" pitchFamily="18" charset="0"/>
+              <a:cs typeface="Times New Roman" panose="02020603050405020304" pitchFamily="18" charset="0"/>
+            </a:endParaRPr>
+          </a:p>
+          <a:p>
+            <a:pPr marL="0" indent="0">
+              <a:lnSpc>
+                <a:spcPct val="107000"/>
+              </a:lnSpc>
+              <a:spcBef>
+                <a:spcPts val="1050"/>
+              </a:spcBef>
+              <a:spcAft>
+                <a:spcPts val="1050"/>
+              </a:spcAft>
+              <a:buNone/>
+            </a:pPr>
+            <a:endParaRPr lang="en-GB" sz="1800" b="1" i="1" dirty="0">
+              <a:effectLst/>
+              <a:latin typeface="Helvetica" panose="020B0604020202020204" pitchFamily="34" charset="0"/>
+              <a:ea typeface="Times New Roman" panose="02020603050405020304" pitchFamily="18" charset="0"/>
+              <a:cs typeface="Times New Roman" panose="02020603050405020304" pitchFamily="18" charset="0"/>
+            </a:endParaRPr>
+          </a:p>
+          <a:p>
+            <a:pPr marL="0" indent="0">
+              <a:lnSpc>
+                <a:spcPct val="107000"/>
+              </a:lnSpc>
+              <a:spcBef>
+                <a:spcPts val="1050"/>
+              </a:spcBef>
+              <a:spcAft>
+                <a:spcPts val="1050"/>
+              </a:spcAft>
+              <a:buNone/>
+            </a:pPr>
+            <a:endParaRPr lang="en-GB" sz="1800" b="1" i="1" dirty="0">
+              <a:latin typeface="Helvetica" panose="020B0604020202020204" pitchFamily="34" charset="0"/>
+              <a:ea typeface="Times New Roman" panose="02020603050405020304" pitchFamily="18" charset="0"/>
+              <a:cs typeface="Times New Roman" panose="02020603050405020304" pitchFamily="18" charset="0"/>
+            </a:endParaRPr>
+          </a:p>
+          <a:p>
+            <a:pPr marL="0" indent="0">
+              <a:lnSpc>
+                <a:spcPct val="107000"/>
+              </a:lnSpc>
+              <a:spcBef>
+                <a:spcPts val="1050"/>
+              </a:spcBef>
+              <a:spcAft>
+                <a:spcPts val="1050"/>
+              </a:spcAft>
+              <a:buNone/>
+            </a:pPr>
+            <a:endParaRPr lang="en-GB" sz="1800" b="1" i="1" dirty="0">
+              <a:effectLst/>
+              <a:latin typeface="Helvetica" panose="020B0604020202020204" pitchFamily="34" charset="0"/>
+              <a:ea typeface="Times New Roman" panose="02020603050405020304" pitchFamily="18" charset="0"/>
+              <a:cs typeface="Times New Roman" panose="02020603050405020304" pitchFamily="18" charset="0"/>
+            </a:endParaRPr>
+          </a:p>
+          <a:p>
+            <a:pPr marL="0" indent="0">
+              <a:lnSpc>
+                <a:spcPct val="107000"/>
+              </a:lnSpc>
+              <a:spcBef>
+                <a:spcPts val="1050"/>
+              </a:spcBef>
+              <a:spcAft>
+                <a:spcPts val="1050"/>
+              </a:spcAft>
+              <a:buNone/>
+            </a:pPr>
+            <a:endParaRPr lang="en-GB" sz="1800" b="1" i="1" dirty="0">
+              <a:latin typeface="Helvetica" panose="020B0604020202020204" pitchFamily="34" charset="0"/>
+              <a:ea typeface="Times New Roman" panose="02020603050405020304" pitchFamily="18" charset="0"/>
+              <a:cs typeface="Times New Roman" panose="02020603050405020304" pitchFamily="18" charset="0"/>
+            </a:endParaRPr>
+          </a:p>
+          <a:p>
+            <a:pPr marL="0" indent="0">
+              <a:lnSpc>
+                <a:spcPct val="107000"/>
+              </a:lnSpc>
+              <a:spcBef>
+                <a:spcPts val="1050"/>
+              </a:spcBef>
+              <a:spcAft>
+                <a:spcPts val="1050"/>
+              </a:spcAft>
+              <a:buNone/>
+            </a:pPr>
+            <a:endParaRPr lang="en-GB" sz="1800" b="1" i="1" dirty="0">
+              <a:effectLst/>
+              <a:latin typeface="Helvetica" panose="020B0604020202020204" pitchFamily="34" charset="0"/>
+              <a:ea typeface="Times New Roman" panose="02020603050405020304" pitchFamily="18" charset="0"/>
+              <a:cs typeface="Times New Roman" panose="02020603050405020304" pitchFamily="18" charset="0"/>
+            </a:endParaRPr>
+          </a:p>
+          <a:p>
+            <a:pPr marL="0" indent="0">
+              <a:lnSpc>
+                <a:spcPct val="107000"/>
+              </a:lnSpc>
+              <a:spcBef>
+                <a:spcPts val="1050"/>
+              </a:spcBef>
+              <a:spcAft>
+                <a:spcPts val="1050"/>
+              </a:spcAft>
+              <a:buNone/>
+            </a:pPr>
+            <a:endParaRPr lang="en-GB" sz="1800" b="1" i="1" dirty="0">
+              <a:effectLst/>
+              <a:latin typeface="Helvetica" panose="020B0604020202020204" pitchFamily="34" charset="0"/>
+              <a:ea typeface="Times New Roman" panose="02020603050405020304" pitchFamily="18" charset="0"/>
+              <a:cs typeface="Times New Roman" panose="02020603050405020304" pitchFamily="18" charset="0"/>
+            </a:endParaRPr>
+          </a:p>
+          <a:p>
+            <a:pPr marL="0" indent="0">
+              <a:lnSpc>
+                <a:spcPct val="107000"/>
+              </a:lnSpc>
+              <a:spcBef>
+                <a:spcPts val="1050"/>
+              </a:spcBef>
+              <a:spcAft>
+                <a:spcPts val="1050"/>
+              </a:spcAft>
+              <a:buNone/>
+            </a:pPr>
+            <a:r>
+              <a:rPr lang="en-GB" sz="1600" b="1" i="1" dirty="0">
+                <a:effectLst/>
+                <a:latin typeface="Helvetica" panose="020B0604020202020204" pitchFamily="34" charset="0"/>
+                <a:ea typeface="Times New Roman" panose="02020603050405020304" pitchFamily="18" charset="0"/>
+                <a:cs typeface="Times New Roman" panose="02020603050405020304" pitchFamily="18" charset="0"/>
+              </a:rPr>
+              <a:t>Copyright 2022 The MathWorks, Inc. &amp; Opti-</a:t>
+            </a:r>
+            <a:r>
+              <a:rPr lang="en-GB" sz="1600" b="1" i="1" dirty="0" err="1">
+                <a:effectLst/>
+                <a:latin typeface="Helvetica" panose="020B0604020202020204" pitchFamily="34" charset="0"/>
+                <a:ea typeface="Times New Roman" panose="02020603050405020304" pitchFamily="18" charset="0"/>
+                <a:cs typeface="Times New Roman" panose="02020603050405020304" pitchFamily="18" charset="0"/>
+              </a:rPr>
+              <a:t>Num</a:t>
+            </a:r>
+            <a:r>
+              <a:rPr lang="en-GB" sz="1600" b="1" i="1" dirty="0">
+                <a:effectLst/>
+                <a:latin typeface="Helvetica" panose="020B0604020202020204" pitchFamily="34" charset="0"/>
+                <a:ea typeface="Times New Roman" panose="02020603050405020304" pitchFamily="18" charset="0"/>
+                <a:cs typeface="Times New Roman" panose="02020603050405020304" pitchFamily="18" charset="0"/>
+              </a:rPr>
+              <a:t> Solutions (Pty) </a:t>
+            </a:r>
+            <a:r>
+              <a:rPr lang="en-GB" sz="1600" b="1" i="1">
+                <a:effectLst/>
+                <a:latin typeface="Helvetica" panose="020B0604020202020204" pitchFamily="34" charset="0"/>
+                <a:ea typeface="Times New Roman" panose="02020603050405020304" pitchFamily="18" charset="0"/>
+                <a:cs typeface="Times New Roman" panose="02020603050405020304" pitchFamily="18" charset="0"/>
+              </a:rPr>
+              <a:t>Ltd.</a:t>
+            </a:r>
             <a:endParaRPr kumimoji="0" lang="en-ZA" altLang="en-US" sz="1600" b="0" i="0" u="none" strike="noStrike" cap="none" normalizeH="0" baseline="0" dirty="0">
               <a:ln>
                 <a:noFill/>
@@ -4958,7 +4948,7 @@
               <a:buNone/>
             </a:pPr>
             <a:r>
-              <a:rPr lang="en-GB" sz="1800" dirty="0">
+              <a:rPr lang="en-GB" sz="1600" dirty="0">
                 <a:effectLst/>
                 <a:latin typeface="Helvetica" panose="020B0604020202020204" pitchFamily="34" charset="0"/>
                 <a:ea typeface="Times New Roman" panose="02020603050405020304" pitchFamily="18" charset="0"/>
@@ -4966,7 +4956,7 @@
               </a:rPr>
               <a:t>Last week, we learnt about:</a:t>
             </a:r>
-            <a:endParaRPr lang="en-ZA" sz="1800" dirty="0">
+            <a:endParaRPr lang="en-ZA" sz="1600" dirty="0">
               <a:effectLst/>
               <a:latin typeface="Helvetica" panose="020B0604020202020204" pitchFamily="34" charset="0"/>
               <a:ea typeface="Times New Roman" panose="02020603050405020304" pitchFamily="18" charset="0"/>
@@ -4982,7 +4972,7 @@
               <a:buChar char=""/>
             </a:pPr>
             <a:r>
-              <a:rPr lang="en-ZA" sz="1800" dirty="0">
+              <a:rPr lang="en-ZA" sz="1600" dirty="0">
                 <a:effectLst/>
                 <a:latin typeface="Helvetica" panose="020B0604020202020204" pitchFamily="34" charset="0"/>
                 <a:ea typeface="Times New Roman" panose="02020603050405020304" pitchFamily="18" charset="0"/>
@@ -5000,7 +4990,7 @@
               <a:buChar char=""/>
             </a:pPr>
             <a:r>
-              <a:rPr lang="en-ZA" sz="1800" dirty="0">
+              <a:rPr lang="en-ZA" sz="1600" dirty="0">
                 <a:effectLst/>
                 <a:latin typeface="Helvetica" panose="020B0604020202020204" pitchFamily="34" charset="0"/>
                 <a:ea typeface="Times New Roman" panose="02020603050405020304" pitchFamily="18" charset="0"/>
@@ -5018,7 +5008,7 @@
               <a:buChar char=""/>
             </a:pPr>
             <a:r>
-              <a:rPr lang="en-ZA" sz="1800" dirty="0">
+              <a:rPr lang="en-ZA" sz="1600" dirty="0">
                 <a:effectLst/>
                 <a:latin typeface="Helvetica" panose="020B0604020202020204" pitchFamily="34" charset="0"/>
                 <a:ea typeface="Times New Roman" panose="02020603050405020304" pitchFamily="18" charset="0"/>
@@ -5036,7 +5026,7 @@
               <a:buChar char=""/>
             </a:pPr>
             <a:r>
-              <a:rPr lang="en-ZA" sz="1800" dirty="0">
+              <a:rPr lang="en-ZA" sz="1600" dirty="0">
                 <a:effectLst/>
                 <a:latin typeface="Helvetica" panose="020B0604020202020204" pitchFamily="34" charset="0"/>
                 <a:ea typeface="Times New Roman" panose="02020603050405020304" pitchFamily="18" charset="0"/>
@@ -5054,7 +5044,7 @@
               <a:buChar char=""/>
             </a:pPr>
             <a:r>
-              <a:rPr lang="en-ZA" sz="1800" dirty="0">
+              <a:rPr lang="en-ZA" sz="1600" dirty="0">
                 <a:effectLst/>
                 <a:latin typeface="Helvetica" panose="020B0604020202020204" pitchFamily="34" charset="0"/>
                 <a:ea typeface="Times New Roman" panose="02020603050405020304" pitchFamily="18" charset="0"/>
@@ -5072,7 +5062,7 @@
               <a:buChar char=""/>
             </a:pPr>
             <a:r>
-              <a:rPr lang="en-ZA" sz="1800" dirty="0">
+              <a:rPr lang="en-ZA" sz="1600" dirty="0">
                 <a:effectLst/>
                 <a:latin typeface="Helvetica" panose="020B0604020202020204" pitchFamily="34" charset="0"/>
                 <a:ea typeface="Times New Roman" panose="02020603050405020304" pitchFamily="18" charset="0"/>
@@ -5095,7 +5085,7 @@
               <a:buNone/>
             </a:pPr>
             <a:r>
-              <a:rPr lang="en-GB" sz="1800" dirty="0">
+              <a:rPr lang="en-GB" sz="1600" dirty="0">
                 <a:effectLst/>
                 <a:latin typeface="Helvetica" panose="020B0604020202020204" pitchFamily="34" charset="0"/>
                 <a:ea typeface="Times New Roman" panose="02020603050405020304" pitchFamily="18" charset="0"/>
@@ -5103,7 +5093,7 @@
               </a:rPr>
               <a:t>In this we have three parts to cover, beginning the Bigger Picture: Computational Thinking, covering the following sub-topics: </a:t>
             </a:r>
-            <a:endParaRPr lang="en-ZA" sz="1800" dirty="0">
+            <a:endParaRPr lang="en-ZA" sz="1600" dirty="0">
               <a:effectLst/>
               <a:latin typeface="Helvetica" panose="020B0604020202020204" pitchFamily="34" charset="0"/>
               <a:ea typeface="Times New Roman" panose="02020603050405020304" pitchFamily="18" charset="0"/>
@@ -5119,7 +5109,7 @@
               <a:buChar char=""/>
             </a:pPr>
             <a:r>
-              <a:rPr lang="en-ZA" sz="1800" dirty="0">
+              <a:rPr lang="en-ZA" sz="1600" dirty="0">
                 <a:effectLst/>
                 <a:latin typeface="Helvetica" panose="020B0604020202020204" pitchFamily="34" charset="0"/>
                 <a:ea typeface="Times New Roman" panose="02020603050405020304" pitchFamily="18" charset="0"/>
@@ -5137,7 +5127,7 @@
               <a:buChar char=""/>
             </a:pPr>
             <a:r>
-              <a:rPr lang="en-ZA" sz="1800" dirty="0">
+              <a:rPr lang="en-ZA" sz="1600" dirty="0">
                 <a:effectLst/>
                 <a:latin typeface="Helvetica" panose="020B0604020202020204" pitchFamily="34" charset="0"/>
                 <a:ea typeface="Times New Roman" panose="02020603050405020304" pitchFamily="18" charset="0"/>
@@ -5155,7 +5145,7 @@
               <a:buChar char=""/>
             </a:pPr>
             <a:r>
-              <a:rPr lang="en-ZA" sz="1800" dirty="0">
+              <a:rPr lang="en-ZA" sz="1600" dirty="0">
                 <a:effectLst/>
                 <a:latin typeface="Helvetica" panose="020B0604020202020204" pitchFamily="34" charset="0"/>
                 <a:ea typeface="Times New Roman" panose="02020603050405020304" pitchFamily="18" charset="0"/>
@@ -5750,7 +5740,7 @@
               <a:buAutoNum type="arabicPeriod"/>
             </a:pPr>
             <a:r>
-              <a:rPr lang="en-GB" sz="1500" b="1" dirty="0">
+              <a:rPr lang="en-GB" sz="1600" b="1" dirty="0">
                 <a:effectLst/>
                 <a:latin typeface="Helvetica" panose="020B0604020202020204" pitchFamily="34" charset="0"/>
                 <a:ea typeface="Times New Roman" panose="02020603050405020304" pitchFamily="18" charset="0"/>
@@ -5759,7 +5749,7 @@
               <a:t>Decomposition</a:t>
             </a:r>
             <a:r>
-              <a:rPr lang="en-GB" sz="1500" dirty="0">
+              <a:rPr lang="en-GB" sz="1600" dirty="0">
                 <a:effectLst/>
                 <a:latin typeface="Helvetica" panose="020B0604020202020204" pitchFamily="34" charset="0"/>
                 <a:ea typeface="Times New Roman" panose="02020603050405020304" pitchFamily="18" charset="0"/>
@@ -5767,7 +5757,7 @@
               </a:rPr>
               <a:t> - Breaking down a large (often complex) problem into smaller, more digestible sub-problems that can be solved</a:t>
             </a:r>
-            <a:endParaRPr lang="en-ZA" sz="1500" dirty="0">
+            <a:endParaRPr lang="en-ZA" sz="1600" dirty="0">
               <a:effectLst/>
               <a:latin typeface="Helvetica" panose="020B0604020202020204" pitchFamily="34" charset="0"/>
               <a:ea typeface="Times New Roman" panose="02020603050405020304" pitchFamily="18" charset="0"/>
@@ -5783,7 +5773,7 @@
               <a:buAutoNum type="arabicPeriod"/>
             </a:pPr>
             <a:r>
-              <a:rPr lang="en-GB" sz="1500" b="1" dirty="0">
+              <a:rPr lang="en-GB" sz="1600" b="1" dirty="0">
                 <a:effectLst/>
                 <a:latin typeface="Helvetica" panose="020B0604020202020204" pitchFamily="34" charset="0"/>
                 <a:ea typeface="Times New Roman" panose="02020603050405020304" pitchFamily="18" charset="0"/>
@@ -5792,7 +5782,7 @@
               <a:t>Pattern recognition</a:t>
             </a:r>
             <a:r>
-              <a:rPr lang="en-GB" sz="1500" dirty="0">
+              <a:rPr lang="en-GB" sz="1600" dirty="0">
                 <a:effectLst/>
                 <a:latin typeface="Helvetica" panose="020B0604020202020204" pitchFamily="34" charset="0"/>
                 <a:ea typeface="Times New Roman" panose="02020603050405020304" pitchFamily="18" charset="0"/>
@@ -5800,7 +5790,7 @@
               </a:rPr>
               <a:t> - Identifying similarities among problems and the methods they have been solved with in the past </a:t>
             </a:r>
-            <a:endParaRPr lang="en-ZA" sz="1500" dirty="0">
+            <a:endParaRPr lang="en-ZA" sz="1600" dirty="0">
               <a:effectLst/>
               <a:latin typeface="Helvetica" panose="020B0604020202020204" pitchFamily="34" charset="0"/>
               <a:ea typeface="Times New Roman" panose="02020603050405020304" pitchFamily="18" charset="0"/>
@@ -5816,7 +5806,7 @@
               <a:buAutoNum type="arabicPeriod"/>
             </a:pPr>
             <a:r>
-              <a:rPr lang="en-GB" sz="1500" b="1" dirty="0">
+              <a:rPr lang="en-GB" sz="1600" b="1" dirty="0">
                 <a:effectLst/>
                 <a:latin typeface="Helvetica" panose="020B0604020202020204" pitchFamily="34" charset="0"/>
                 <a:ea typeface="Times New Roman" panose="02020603050405020304" pitchFamily="18" charset="0"/>
@@ -5825,7 +5815,7 @@
               <a:t>Abstraction</a:t>
             </a:r>
             <a:r>
-              <a:rPr lang="en-GB" sz="1500" dirty="0">
+              <a:rPr lang="en-GB" sz="1600" dirty="0">
                 <a:effectLst/>
                 <a:latin typeface="Helvetica" panose="020B0604020202020204" pitchFamily="34" charset="0"/>
                 <a:ea typeface="Times New Roman" panose="02020603050405020304" pitchFamily="18" charset="0"/>
@@ -5833,7 +5823,7 @@
               </a:rPr>
               <a:t> - Determine what information is relevant to the problem and focusing on that information only to solve the problem at hand</a:t>
             </a:r>
-            <a:endParaRPr lang="en-ZA" sz="1500" dirty="0">
+            <a:endParaRPr lang="en-ZA" sz="1600" dirty="0">
               <a:effectLst/>
               <a:latin typeface="Helvetica" panose="020B0604020202020204" pitchFamily="34" charset="0"/>
               <a:ea typeface="Times New Roman" panose="02020603050405020304" pitchFamily="18" charset="0"/>
@@ -5849,7 +5839,7 @@
               <a:buAutoNum type="arabicPeriod"/>
             </a:pPr>
             <a:r>
-              <a:rPr lang="en-GB" sz="1500" b="1" dirty="0">
+              <a:rPr lang="en-GB" sz="1600" b="1" dirty="0">
                 <a:effectLst/>
                 <a:latin typeface="Helvetica" panose="020B0604020202020204" pitchFamily="34" charset="0"/>
                 <a:ea typeface="Times New Roman" panose="02020603050405020304" pitchFamily="18" charset="0"/>
@@ -5858,7 +5848,7 @@
               <a:t>Algorithms</a:t>
             </a:r>
             <a:r>
-              <a:rPr lang="en-GB" sz="1500" dirty="0">
+              <a:rPr lang="en-GB" sz="1600" dirty="0">
                 <a:effectLst/>
                 <a:latin typeface="Helvetica" panose="020B0604020202020204" pitchFamily="34" charset="0"/>
                 <a:ea typeface="Times New Roman" panose="02020603050405020304" pitchFamily="18" charset="0"/>
@@ -5866,7 +5856,7 @@
               </a:rPr>
               <a:t> - Designing simple and scalable methods for solving sub-problems in the series, combined to solve a larger (often more complex) problem</a:t>
             </a:r>
-            <a:endParaRPr lang="en-ZA" sz="1500" dirty="0">
+            <a:endParaRPr lang="en-ZA" sz="1600" dirty="0">
               <a:effectLst/>
               <a:latin typeface="Helvetica" panose="020B0604020202020204" pitchFamily="34" charset="0"/>
               <a:ea typeface="Times New Roman" panose="02020603050405020304" pitchFamily="18" charset="0"/>
@@ -5887,7 +5877,7 @@
               <a:buNone/>
             </a:pPr>
             <a:r>
-              <a:rPr lang="en-GB" sz="1500" dirty="0">
+              <a:rPr lang="en-GB" sz="1600" dirty="0">
                 <a:effectLst/>
                 <a:latin typeface="Helvetica" panose="020B0604020202020204" pitchFamily="34" charset="0"/>
                 <a:ea typeface="Times New Roman" panose="02020603050405020304" pitchFamily="18" charset="0"/>
@@ -5895,7 +5885,7 @@
               </a:rPr>
               <a:t>These steps are not very different from how an engineer would engage with other real-world problems. The core idea is that you have a mathematical approach to problem solving and don't just mindlessly perform calculations. </a:t>
             </a:r>
-            <a:endParaRPr lang="en-ZA" sz="1500" dirty="0">
+            <a:endParaRPr lang="en-ZA" sz="1600" dirty="0">
               <a:effectLst/>
               <a:latin typeface="Helvetica" panose="020B0604020202020204" pitchFamily="34" charset="0"/>
               <a:ea typeface="Times New Roman" panose="02020603050405020304" pitchFamily="18" charset="0"/>
@@ -6158,7 +6148,7 @@
               </a:spcAft>
               <a:buNone/>
             </a:pPr>
-            <a:endParaRPr lang="en-GB" sz="1500" dirty="0">
+            <a:endParaRPr lang="en-GB" sz="1600" dirty="0">
               <a:effectLst/>
               <a:latin typeface="Helvetica" panose="020B0604020202020204" pitchFamily="34" charset="0"/>
               <a:ea typeface="Times New Roman" panose="02020603050405020304" pitchFamily="18" charset="0"/>
@@ -6178,7 +6168,7 @@
               </a:spcAft>
               <a:buNone/>
             </a:pPr>
-            <a:endParaRPr lang="en-GB" sz="1500" dirty="0">
+            <a:endParaRPr lang="en-GB" sz="1600" dirty="0">
               <a:latin typeface="Helvetica" panose="020B0604020202020204" pitchFamily="34" charset="0"/>
               <a:ea typeface="Times New Roman" panose="02020603050405020304" pitchFamily="18" charset="0"/>
               <a:cs typeface="Times New Roman" panose="02020603050405020304" pitchFamily="18" charset="0"/>
@@ -6197,7 +6187,7 @@
               </a:spcAft>
               <a:buNone/>
             </a:pPr>
-            <a:endParaRPr lang="en-GB" sz="1500" dirty="0">
+            <a:endParaRPr lang="en-GB" sz="1600" dirty="0">
               <a:latin typeface="Helvetica" panose="020B0604020202020204" pitchFamily="34" charset="0"/>
               <a:ea typeface="Times New Roman" panose="02020603050405020304" pitchFamily="18" charset="0"/>
               <a:cs typeface="Times New Roman" panose="02020603050405020304" pitchFamily="18" charset="0"/>
@@ -6216,7 +6206,7 @@
               </a:spcAft>
               <a:buNone/>
             </a:pPr>
-            <a:endParaRPr lang="en-GB" sz="1500" dirty="0">
+            <a:endParaRPr lang="en-GB" sz="1600" dirty="0">
               <a:effectLst/>
               <a:latin typeface="Helvetica" panose="020B0604020202020204" pitchFamily="34" charset="0"/>
               <a:ea typeface="Times New Roman" panose="02020603050405020304" pitchFamily="18" charset="0"/>
@@ -6237,7 +6227,7 @@
               <a:buNone/>
             </a:pPr>
             <a:r>
-              <a:rPr lang="en-GB" sz="1500" dirty="0">
+              <a:rPr lang="en-GB" sz="1600" dirty="0">
                 <a:effectLst/>
                 <a:latin typeface="Helvetica" panose="020B0604020202020204" pitchFamily="34" charset="0"/>
                 <a:ea typeface="Times New Roman" panose="02020603050405020304" pitchFamily="18" charset="0"/>
@@ -6246,7 +6236,7 @@
               <a:t>"</a:t>
             </a:r>
             <a:r>
-              <a:rPr lang="en-GB" sz="1500" b="1" dirty="0">
+              <a:rPr lang="en-GB" sz="1600" b="1" dirty="0">
                 <a:effectLst/>
                 <a:latin typeface="Helvetica" panose="020B0604020202020204" pitchFamily="34" charset="0"/>
                 <a:ea typeface="Times New Roman" panose="02020603050405020304" pitchFamily="18" charset="0"/>
@@ -6255,7 +6245,7 @@
               <a:t>Computational thinking is a fundamental skill for everyone, not just for computer scientists.</a:t>
             </a:r>
             <a:r>
-              <a:rPr lang="en-GB" sz="1500" dirty="0">
+              <a:rPr lang="en-GB" sz="1600" dirty="0">
                 <a:effectLst/>
                 <a:latin typeface="Helvetica" panose="020B0604020202020204" pitchFamily="34" charset="0"/>
                 <a:ea typeface="Times New Roman" panose="02020603050405020304" pitchFamily="18" charset="0"/>
@@ -6263,7 +6253,7 @@
               </a:rPr>
               <a:t>" </a:t>
             </a:r>
-            <a:endParaRPr lang="en-ZA" sz="1500" dirty="0">
+            <a:endParaRPr lang="en-ZA" sz="1600" dirty="0">
               <a:effectLst/>
               <a:latin typeface="Helvetica" panose="020B0604020202020204" pitchFamily="34" charset="0"/>
               <a:ea typeface="Times New Roman" panose="02020603050405020304" pitchFamily="18" charset="0"/>
@@ -6284,7 +6274,7 @@
               <a:buNone/>
             </a:pPr>
             <a:r>
-              <a:rPr lang="en-GB" sz="1500" dirty="0">
+              <a:rPr lang="en-GB" sz="1600" dirty="0">
                 <a:effectLst/>
                 <a:latin typeface="Helvetica" panose="020B0604020202020204" pitchFamily="34" charset="0"/>
                 <a:ea typeface="Times New Roman" panose="02020603050405020304" pitchFamily="18" charset="0"/>
@@ -6292,7 +6282,7 @@
               </a:rPr>
               <a:t>- Dr Jeannette Wing, Director of the Data Science Institute, Columbia University</a:t>
             </a:r>
-            <a:endParaRPr lang="en-ZA" sz="1500" dirty="0">
+            <a:endParaRPr lang="en-ZA" sz="1600" dirty="0">
               <a:effectLst/>
               <a:latin typeface="Helvetica" panose="020B0604020202020204" pitchFamily="34" charset="0"/>
               <a:ea typeface="Times New Roman" panose="02020603050405020304" pitchFamily="18" charset="0"/>
@@ -6313,7 +6303,7 @@
               <a:buNone/>
             </a:pPr>
             <a:r>
-              <a:rPr lang="en-GB" sz="1500" dirty="0">
+              <a:rPr lang="en-GB" sz="1600" dirty="0">
                 <a:effectLst/>
                 <a:latin typeface="Helvetica" panose="020B0604020202020204" pitchFamily="34" charset="0"/>
                 <a:ea typeface="Times New Roman" panose="02020603050405020304" pitchFamily="18" charset="0"/>
@@ -6321,7 +6311,7 @@
               </a:rPr>
               <a:t> </a:t>
             </a:r>
-            <a:endParaRPr lang="en-ZA" sz="1500" dirty="0">
+            <a:endParaRPr lang="en-ZA" sz="1600" dirty="0">
               <a:effectLst/>
               <a:latin typeface="Helvetica" panose="020B0604020202020204" pitchFamily="34" charset="0"/>
               <a:ea typeface="Times New Roman" panose="02020603050405020304" pitchFamily="18" charset="0"/>
@@ -6333,7 +6323,7 @@
               <a:buNone/>
             </a:pPr>
             <a:r>
-              <a:rPr lang="en-GB" sz="1500" dirty="0">
+              <a:rPr lang="en-GB" sz="1600" dirty="0">
                 <a:effectLst/>
                 <a:latin typeface="Helvetica" panose="020B0604020202020204" pitchFamily="34" charset="0"/>
                 <a:ea typeface="Times New Roman" panose="02020603050405020304" pitchFamily="18" charset="0"/>
@@ -6341,7 +6331,7 @@
               </a:rPr>
               <a:t>As Dr Wing has pointed out, our ever-evolving world is becoming increasingly dependent computational thinking across many more fields than Computer Science. Cognitive flexibility, digital literacy and computational thinking, among other skills, are all key to the success of our graduates. </a:t>
             </a:r>
-            <a:endParaRPr lang="en-ZA" sz="1500" dirty="0">
+            <a:endParaRPr lang="en-ZA" sz="1600" dirty="0">
               <a:effectLst/>
               <a:latin typeface="Helvetica" panose="020B0604020202020204" pitchFamily="34" charset="0"/>
               <a:ea typeface="Times New Roman" panose="02020603050405020304" pitchFamily="18" charset="0"/>
@@ -7056,7 +7046,7 @@
               <a:buNone/>
             </a:pPr>
             <a:r>
-              <a:rPr lang="en-GB" sz="1500" dirty="0">
+              <a:rPr lang="en-GB" sz="1600" dirty="0">
                 <a:effectLst/>
                 <a:latin typeface="Helvetica" panose="020B0604020202020204" pitchFamily="34" charset="0"/>
                 <a:ea typeface="Times New Roman" panose="02020603050405020304" pitchFamily="18" charset="0"/>
@@ -7064,7 +7054,7 @@
               </a:rPr>
               <a:t>This week in part 1, we learnt about: </a:t>
             </a:r>
-            <a:endParaRPr lang="en-ZA" sz="1500" dirty="0">
+            <a:endParaRPr lang="en-ZA" sz="1600" dirty="0">
               <a:effectLst/>
               <a:latin typeface="Helvetica" panose="020B0604020202020204" pitchFamily="34" charset="0"/>
               <a:ea typeface="Times New Roman" panose="02020603050405020304" pitchFamily="18" charset="0"/>
@@ -7083,7 +7073,7 @@
               </a:tabLst>
             </a:pPr>
             <a:r>
-              <a:rPr lang="en-ZA" sz="1500" dirty="0">
+              <a:rPr lang="en-ZA" sz="1600" dirty="0">
                 <a:effectLst/>
                 <a:latin typeface="Helvetica" panose="020B0604020202020204" pitchFamily="34" charset="0"/>
                 <a:ea typeface="Times New Roman" panose="02020603050405020304" pitchFamily="18" charset="0"/>
@@ -7104,7 +7094,7 @@
               </a:tabLst>
             </a:pPr>
             <a:r>
-              <a:rPr lang="en-ZA" sz="1500" dirty="0">
+              <a:rPr lang="en-ZA" sz="1600" dirty="0">
                 <a:effectLst/>
                 <a:latin typeface="Helvetica" panose="020B0604020202020204" pitchFamily="34" charset="0"/>
                 <a:ea typeface="Times New Roman" panose="02020603050405020304" pitchFamily="18" charset="0"/>
@@ -7125,7 +7115,7 @@
               </a:tabLst>
             </a:pPr>
             <a:r>
-              <a:rPr lang="en-ZA" sz="1500" dirty="0">
+              <a:rPr lang="en-ZA" sz="1600" dirty="0">
                 <a:effectLst/>
                 <a:latin typeface="Helvetica" panose="020B0604020202020204" pitchFamily="34" charset="0"/>
                 <a:ea typeface="Times New Roman" panose="02020603050405020304" pitchFamily="18" charset="0"/>
@@ -7148,7 +7138,7 @@
               <a:buNone/>
             </a:pPr>
             <a:r>
-              <a:rPr lang="en-GB" sz="1500" dirty="0">
+              <a:rPr lang="en-GB" sz="1600" dirty="0">
                 <a:effectLst/>
                 <a:latin typeface="Helvetica" panose="020B0604020202020204" pitchFamily="34" charset="0"/>
                 <a:ea typeface="Times New Roman" panose="02020603050405020304" pitchFamily="18" charset="0"/>
@@ -7156,7 +7146,7 @@
               </a:rPr>
               <a:t>In the next part of this week's content, we will be learning about interoperability, covering the following sub-topics: </a:t>
             </a:r>
-            <a:endParaRPr lang="en-ZA" sz="1500" dirty="0">
+            <a:endParaRPr lang="en-ZA" sz="1600" dirty="0">
               <a:effectLst/>
               <a:latin typeface="Helvetica" panose="020B0604020202020204" pitchFamily="34" charset="0"/>
               <a:ea typeface="Times New Roman" panose="02020603050405020304" pitchFamily="18" charset="0"/>
@@ -7172,7 +7162,7 @@
               <a:buChar char=""/>
             </a:pPr>
             <a:r>
-              <a:rPr lang="en-ZA" sz="1500" dirty="0">
+              <a:rPr lang="en-ZA" sz="1600" dirty="0">
                 <a:effectLst/>
                 <a:latin typeface="Helvetica" panose="020B0604020202020204" pitchFamily="34" charset="0"/>
                 <a:ea typeface="Times New Roman" panose="02020603050405020304" pitchFamily="18" charset="0"/>
@@ -7190,7 +7180,7 @@
               <a:buChar char=""/>
             </a:pPr>
             <a:r>
-              <a:rPr lang="en-ZA" sz="1500" dirty="0">
+              <a:rPr lang="en-ZA" sz="1600" dirty="0">
                 <a:effectLst/>
                 <a:latin typeface="Helvetica" panose="020B0604020202020204" pitchFamily="34" charset="0"/>
                 <a:ea typeface="Times New Roman" panose="02020603050405020304" pitchFamily="18" charset="0"/>
